--- a/리허설/파이썬기초 자료/03.조건문.pptx
+++ b/리허설/파이썬기초 자료/03.조건문.pptx
@@ -4182,7 +4182,7 @@
           <a:p>
             <a:fld id="{0E29F860-961F-491A-A914-95D82E5802CC}" type="datetimeFigureOut">
               <a:rPr lang="ko-KR" altLang="en-US" smtClean="0"/>
-              <a:t>2024-12-16</a:t>
+              <a:t>2024-12-18</a:t>
             </a:fld>
             <a:endParaRPr lang="ko-KR" altLang="en-US" dirty="0"/>
           </a:p>
@@ -7922,7 +7922,7 @@
           <a:p>
             <a:fld id="{5135393B-E305-464D-9E67-9DECB7A95015}" type="datetimeFigureOut">
               <a:rPr lang="ko-KR" altLang="en-US" smtClean="0"/>
-              <a:t>2024-12-16</a:t>
+              <a:t>2024-12-18</a:t>
             </a:fld>
             <a:endParaRPr lang="ko-KR" altLang="en-US" dirty="0"/>
           </a:p>
@@ -8130,7 +8130,7 @@
           <a:p>
             <a:fld id="{5135393B-E305-464D-9E67-9DECB7A95015}" type="datetimeFigureOut">
               <a:rPr lang="ko-KR" altLang="en-US" smtClean="0"/>
-              <a:t>2024-12-16</a:t>
+              <a:t>2024-12-18</a:t>
             </a:fld>
             <a:endParaRPr lang="ko-KR" altLang="en-US" dirty="0"/>
           </a:p>
@@ -8993,7 +8993,7 @@
           <a:p>
             <a:fld id="{5135393B-E305-464D-9E67-9DECB7A95015}" type="datetimeFigureOut">
               <a:rPr lang="ko-KR" altLang="en-US" smtClean="0"/>
-              <a:t>2024-12-16</a:t>
+              <a:t>2024-12-18</a:t>
             </a:fld>
             <a:endParaRPr lang="ko-KR" altLang="en-US" dirty="0"/>
           </a:p>
@@ -9405,7 +9405,7 @@
           <a:p>
             <a:fld id="{5135393B-E305-464D-9E67-9DECB7A95015}" type="datetimeFigureOut">
               <a:rPr lang="ko-KR" altLang="en-US" smtClean="0"/>
-              <a:t>2024-12-16</a:t>
+              <a:t>2024-12-18</a:t>
             </a:fld>
             <a:endParaRPr lang="ko-KR" altLang="en-US" dirty="0"/>
           </a:p>
@@ -9546,7 +9546,7 @@
           <a:p>
             <a:fld id="{5135393B-E305-464D-9E67-9DECB7A95015}" type="datetimeFigureOut">
               <a:rPr lang="ko-KR" altLang="en-US" smtClean="0"/>
-              <a:t>2024-12-16</a:t>
+              <a:t>2024-12-18</a:t>
             </a:fld>
             <a:endParaRPr lang="ko-KR" altLang="en-US" dirty="0"/>
           </a:p>
@@ -9659,7 +9659,7 @@
           <a:p>
             <a:fld id="{5135393B-E305-464D-9E67-9DECB7A95015}" type="datetimeFigureOut">
               <a:rPr lang="ko-KR" altLang="en-US" smtClean="0"/>
-              <a:t>2024-12-16</a:t>
+              <a:t>2024-12-18</a:t>
             </a:fld>
             <a:endParaRPr lang="ko-KR" altLang="en-US" dirty="0"/>
           </a:p>
@@ -9970,7 +9970,7 @@
           <a:p>
             <a:fld id="{5135393B-E305-464D-9E67-9DECB7A95015}" type="datetimeFigureOut">
               <a:rPr lang="ko-KR" altLang="en-US" smtClean="0"/>
-              <a:t>2024-12-16</a:t>
+              <a:t>2024-12-18</a:t>
             </a:fld>
             <a:endParaRPr lang="ko-KR" altLang="en-US" dirty="0"/>
           </a:p>
@@ -10258,7 +10258,7 @@
           <a:p>
             <a:fld id="{5135393B-E305-464D-9E67-9DECB7A95015}" type="datetimeFigureOut">
               <a:rPr lang="ko-KR" altLang="en-US" smtClean="0"/>
-              <a:t>2024-12-16</a:t>
+              <a:t>2024-12-18</a:t>
             </a:fld>
             <a:endParaRPr lang="ko-KR" altLang="en-US" dirty="0"/>
           </a:p>
@@ -10499,7 +10499,7 @@
           <a:p>
             <a:fld id="{5135393B-E305-464D-9E67-9DECB7A95015}" type="datetimeFigureOut">
               <a:rPr lang="ko-KR" altLang="en-US" smtClean="0"/>
-              <a:t>2024-12-16</a:t>
+              <a:t>2024-12-18</a:t>
             </a:fld>
             <a:endParaRPr lang="ko-KR" altLang="en-US" dirty="0"/>
           </a:p>
@@ -11201,27 +11201,17 @@
           <a:lstStyle/>
           <a:p>
             <a:r>
-              <a:rPr lang="ko-KR" altLang="en-US" sz="3200" dirty="0">
+              <a:rPr lang="ko-KR" altLang="en-US" sz="3200">
                 <a:solidFill>
                   <a:srgbClr val="467DC3"/>
                 </a:solidFill>
                 <a:latin typeface="나눔스퀘어라운드 ExtraBold" panose="020B0600000101010101" pitchFamily="50" charset="-127"/>
                 <a:ea typeface="나눔스퀘어라운드 ExtraBold" panose="020B0600000101010101" pitchFamily="50" charset="-127"/>
               </a:rPr>
-              <a:t>손 지 </a:t>
-            </a:r>
-            <a:r>
-              <a:rPr lang="ko-KR" altLang="en-US" sz="3200" dirty="0" err="1">
-                <a:solidFill>
-                  <a:srgbClr val="467DC3"/>
-                </a:solidFill>
-                <a:latin typeface="나눔스퀘어라운드 ExtraBold" panose="020B0600000101010101" pitchFamily="50" charset="-127"/>
-                <a:ea typeface="나눔스퀘어라운드 ExtraBold" panose="020B0600000101010101" pitchFamily="50" charset="-127"/>
-              </a:rPr>
-              <a:t>영</a:t>
-            </a:r>
-            <a:r>
-              <a:rPr lang="ko-KR" altLang="en-US" sz="2000" dirty="0" err="1">
+              <a:t>손 준 수</a:t>
+            </a:r>
+            <a:r>
+              <a:rPr lang="ko-KR" altLang="en-US" sz="2000">
                 <a:solidFill>
                   <a:srgbClr val="323232"/>
                 </a:solidFill>
